--- a/Презентация_ Бойко.pptx
+++ b/Презентация_ Бойко.pptx
@@ -13724,7 +13724,7 @@
         <p:spPr>
           <a:xfrm>
             <a:off x="696850" y="5379200"/>
-            <a:ext cx="10178100" cy="1419860"/>
+            <a:ext cx="10178100" cy="1012190"/>
           </a:xfrm>
           <a:prstGeom prst="rect">
             <a:avLst/>
@@ -13767,9 +13767,21 @@
                 <a:cs typeface="Times New Roman" panose="02020603050405020304"/>
                 <a:sym typeface="Times New Roman" panose="02020603050405020304"/>
               </a:rPr>
-              <a:t>Все нейросети показали схожий результат с ошибкой MAE чуть меньшей, чем среднее отклонение.</a:t>
+              <a:t>Средняя абсолютная ошибка (MAE) на обучающем наборе данных ниже, чем на валидационном</a:t>
             </a:r>
-            <a:endParaRPr sz="1800" b="1">
+            <a:r>
+              <a:rPr lang="en-US" altLang="ru-RU" sz="1800" b="1">
+                <a:solidFill>
+                  <a:schemeClr val="accent1"/>
+                </a:solidFill>
+                <a:latin typeface="Times New Roman" panose="02020603050405020304"/>
+                <a:ea typeface="Times New Roman" panose="02020603050405020304"/>
+                <a:cs typeface="Times New Roman" panose="02020603050405020304"/>
+                <a:sym typeface="Times New Roman" panose="02020603050405020304"/>
+              </a:rPr>
+              <a:t>.</a:t>
+            </a:r>
+            <a:endParaRPr lang="en-US" altLang="ru-RU" sz="1800" b="1">
               <a:solidFill>
                 <a:schemeClr val="accent1"/>
               </a:solidFill>
@@ -13777,23 +13789,6 @@
               <a:ea typeface="Times New Roman" panose="02020603050405020304"/>
               <a:cs typeface="Times New Roman" panose="02020603050405020304"/>
               <a:sym typeface="Times New Roman" panose="02020603050405020304"/>
-            </a:endParaRPr>
-          </a:p>
-          <a:p>
-            <a:pPr marL="0" lvl="0" indent="0" algn="just" rtl="0">
-              <a:spcBef>
-                <a:spcPts val="1500"/>
-              </a:spcBef>
-              <a:spcAft>
-                <a:spcPts val="0"/>
-              </a:spcAft>
-              <a:buNone/>
-            </a:pPr>
-            <a:endParaRPr>
-              <a:latin typeface="Open Sans"/>
-              <a:ea typeface="Open Sans"/>
-              <a:cs typeface="Open Sans"/>
-              <a:sym typeface="Open Sans"/>
             </a:endParaRPr>
           </a:p>
         </p:txBody>
